--- a/CalendarioAgo2022/presentaciones/17_POO_Polimorfismo.pptx
+++ b/CalendarioAgo2022/presentaciones/17_POO_Polimorfismo.pptx
@@ -215,7 +215,7 @@
           <a:p>
             <a:fld id="{DDE721D5-655F-45D2-B717-3C4CD78C8568}" type="datetimeFigureOut">
               <a:rPr lang="es-MX" smtClean="0"/>
-              <a:t>28/08/2022</a:t>
+              <a:t>29/08/2022</a:t>
             </a:fld>
             <a:endParaRPr lang="es-MX" dirty="0"/>
           </a:p>
@@ -664,7 +664,7 @@
           <a:p>
             <a:fld id="{B3F3E716-CACC-4490-AD07-F24B6A68DE47}" type="datetimeFigureOut">
               <a:rPr lang="es-MX" smtClean="0"/>
-              <a:t>28/08/2022</a:t>
+              <a:t>29/08/2022</a:t>
             </a:fld>
             <a:endParaRPr lang="es-MX" dirty="0"/>
           </a:p>
@@ -834,7 +834,7 @@
           <a:p>
             <a:fld id="{B3F3E716-CACC-4490-AD07-F24B6A68DE47}" type="datetimeFigureOut">
               <a:rPr lang="es-MX" smtClean="0"/>
-              <a:t>28/08/2022</a:t>
+              <a:t>29/08/2022</a:t>
             </a:fld>
             <a:endParaRPr lang="es-MX" dirty="0"/>
           </a:p>
@@ -1014,7 +1014,7 @@
           <a:p>
             <a:fld id="{B3F3E716-CACC-4490-AD07-F24B6A68DE47}" type="datetimeFigureOut">
               <a:rPr lang="es-MX" smtClean="0"/>
-              <a:t>28/08/2022</a:t>
+              <a:t>29/08/2022</a:t>
             </a:fld>
             <a:endParaRPr lang="es-MX" dirty="0"/>
           </a:p>
@@ -1167,7 +1167,7 @@
           <a:p>
             <a:fld id="{1D8BD707-D9CF-40AE-B4C6-C98DA3205C09}" type="datetimeFigureOut">
               <a:rPr lang="en-US" smtClean="0"/>
-              <a:t>8/28/2022</a:t>
+              <a:t>8/29/2022</a:t>
             </a:fld>
             <a:endParaRPr lang="en-US" dirty="0"/>
           </a:p>
@@ -1624,7 +1624,7 @@
           <a:p>
             <a:fld id="{B3F3E716-CACC-4490-AD07-F24B6A68DE47}" type="datetimeFigureOut">
               <a:rPr lang="es-MX" smtClean="0"/>
-              <a:t>28/08/2022</a:t>
+              <a:t>29/08/2022</a:t>
             </a:fld>
             <a:endParaRPr lang="es-MX" dirty="0"/>
           </a:p>
@@ -1870,7 +1870,7 @@
           <a:p>
             <a:fld id="{B3F3E716-CACC-4490-AD07-F24B6A68DE47}" type="datetimeFigureOut">
               <a:rPr lang="es-MX" smtClean="0"/>
-              <a:t>28/08/2022</a:t>
+              <a:t>29/08/2022</a:t>
             </a:fld>
             <a:endParaRPr lang="es-MX" dirty="0"/>
           </a:p>
@@ -2158,7 +2158,7 @@
           <a:p>
             <a:fld id="{B3F3E716-CACC-4490-AD07-F24B6A68DE47}" type="datetimeFigureOut">
               <a:rPr lang="es-MX" smtClean="0"/>
-              <a:t>28/08/2022</a:t>
+              <a:t>29/08/2022</a:t>
             </a:fld>
             <a:endParaRPr lang="es-MX" dirty="0"/>
           </a:p>
@@ -2580,7 +2580,7 @@
           <a:p>
             <a:fld id="{B3F3E716-CACC-4490-AD07-F24B6A68DE47}" type="datetimeFigureOut">
               <a:rPr lang="es-MX" smtClean="0"/>
-              <a:t>28/08/2022</a:t>
+              <a:t>29/08/2022</a:t>
             </a:fld>
             <a:endParaRPr lang="es-MX" dirty="0"/>
           </a:p>
@@ -2698,7 +2698,7 @@
           <a:p>
             <a:fld id="{B3F3E716-CACC-4490-AD07-F24B6A68DE47}" type="datetimeFigureOut">
               <a:rPr lang="es-MX" smtClean="0"/>
-              <a:t>28/08/2022</a:t>
+              <a:t>29/08/2022</a:t>
             </a:fld>
             <a:endParaRPr lang="es-MX" dirty="0"/>
           </a:p>
@@ -2793,7 +2793,7 @@
           <a:p>
             <a:fld id="{B3F3E716-CACC-4490-AD07-F24B6A68DE47}" type="datetimeFigureOut">
               <a:rPr lang="es-MX" smtClean="0"/>
-              <a:t>28/08/2022</a:t>
+              <a:t>29/08/2022</a:t>
             </a:fld>
             <a:endParaRPr lang="es-MX" dirty="0"/>
           </a:p>
@@ -3070,7 +3070,7 @@
           <a:p>
             <a:fld id="{B3F3E716-CACC-4490-AD07-F24B6A68DE47}" type="datetimeFigureOut">
               <a:rPr lang="es-MX" smtClean="0"/>
-              <a:t>28/08/2022</a:t>
+              <a:t>29/08/2022</a:t>
             </a:fld>
             <a:endParaRPr lang="es-MX" dirty="0"/>
           </a:p>
@@ -3323,7 +3323,7 @@
           <a:p>
             <a:fld id="{B3F3E716-CACC-4490-AD07-F24B6A68DE47}" type="datetimeFigureOut">
               <a:rPr lang="es-MX" smtClean="0"/>
-              <a:t>28/08/2022</a:t>
+              <a:t>29/08/2022</a:t>
             </a:fld>
             <a:endParaRPr lang="es-MX" dirty="0"/>
           </a:p>
@@ -3536,7 +3536,7 @@
           <a:p>
             <a:fld id="{B3F3E716-CACC-4490-AD07-F24B6A68DE47}" type="datetimeFigureOut">
               <a:rPr lang="es-MX" smtClean="0"/>
-              <a:t>28/08/2022</a:t>
+              <a:t>29/08/2022</a:t>
             </a:fld>
             <a:endParaRPr lang="es-MX" dirty="0"/>
           </a:p>

--- a/CalendarioAgo2022/presentaciones/17_POO_Polimorfismo.pptx
+++ b/CalendarioAgo2022/presentaciones/17_POO_Polimorfismo.pptx
@@ -215,7 +215,7 @@
           <a:p>
             <a:fld id="{DDE721D5-655F-45D2-B717-3C4CD78C8568}" type="datetimeFigureOut">
               <a:rPr lang="es-MX" smtClean="0"/>
-              <a:t>29/08/2022</a:t>
+              <a:t>30/08/2022</a:t>
             </a:fld>
             <a:endParaRPr lang="es-MX" dirty="0"/>
           </a:p>
@@ -664,7 +664,7 @@
           <a:p>
             <a:fld id="{B3F3E716-CACC-4490-AD07-F24B6A68DE47}" type="datetimeFigureOut">
               <a:rPr lang="es-MX" smtClean="0"/>
-              <a:t>29/08/2022</a:t>
+              <a:t>30/08/2022</a:t>
             </a:fld>
             <a:endParaRPr lang="es-MX" dirty="0"/>
           </a:p>
@@ -834,7 +834,7 @@
           <a:p>
             <a:fld id="{B3F3E716-CACC-4490-AD07-F24B6A68DE47}" type="datetimeFigureOut">
               <a:rPr lang="es-MX" smtClean="0"/>
-              <a:t>29/08/2022</a:t>
+              <a:t>30/08/2022</a:t>
             </a:fld>
             <a:endParaRPr lang="es-MX" dirty="0"/>
           </a:p>
@@ -1014,7 +1014,7 @@
           <a:p>
             <a:fld id="{B3F3E716-CACC-4490-AD07-F24B6A68DE47}" type="datetimeFigureOut">
               <a:rPr lang="es-MX" smtClean="0"/>
-              <a:t>29/08/2022</a:t>
+              <a:t>30/08/2022</a:t>
             </a:fld>
             <a:endParaRPr lang="es-MX" dirty="0"/>
           </a:p>
@@ -1167,7 +1167,7 @@
           <a:p>
             <a:fld id="{1D8BD707-D9CF-40AE-B4C6-C98DA3205C09}" type="datetimeFigureOut">
               <a:rPr lang="en-US" smtClean="0"/>
-              <a:t>8/29/2022</a:t>
+              <a:t>8/30/2022</a:t>
             </a:fld>
             <a:endParaRPr lang="en-US" dirty="0"/>
           </a:p>
@@ -1624,7 +1624,7 @@
           <a:p>
             <a:fld id="{B3F3E716-CACC-4490-AD07-F24B6A68DE47}" type="datetimeFigureOut">
               <a:rPr lang="es-MX" smtClean="0"/>
-              <a:t>29/08/2022</a:t>
+              <a:t>30/08/2022</a:t>
             </a:fld>
             <a:endParaRPr lang="es-MX" dirty="0"/>
           </a:p>
@@ -1870,7 +1870,7 @@
           <a:p>
             <a:fld id="{B3F3E716-CACC-4490-AD07-F24B6A68DE47}" type="datetimeFigureOut">
               <a:rPr lang="es-MX" smtClean="0"/>
-              <a:t>29/08/2022</a:t>
+              <a:t>30/08/2022</a:t>
             </a:fld>
             <a:endParaRPr lang="es-MX" dirty="0"/>
           </a:p>
@@ -2158,7 +2158,7 @@
           <a:p>
             <a:fld id="{B3F3E716-CACC-4490-AD07-F24B6A68DE47}" type="datetimeFigureOut">
               <a:rPr lang="es-MX" smtClean="0"/>
-              <a:t>29/08/2022</a:t>
+              <a:t>30/08/2022</a:t>
             </a:fld>
             <a:endParaRPr lang="es-MX" dirty="0"/>
           </a:p>
@@ -2580,7 +2580,7 @@
           <a:p>
             <a:fld id="{B3F3E716-CACC-4490-AD07-F24B6A68DE47}" type="datetimeFigureOut">
               <a:rPr lang="es-MX" smtClean="0"/>
-              <a:t>29/08/2022</a:t>
+              <a:t>30/08/2022</a:t>
             </a:fld>
             <a:endParaRPr lang="es-MX" dirty="0"/>
           </a:p>
@@ -2698,7 +2698,7 @@
           <a:p>
             <a:fld id="{B3F3E716-CACC-4490-AD07-F24B6A68DE47}" type="datetimeFigureOut">
               <a:rPr lang="es-MX" smtClean="0"/>
-              <a:t>29/08/2022</a:t>
+              <a:t>30/08/2022</a:t>
             </a:fld>
             <a:endParaRPr lang="es-MX" dirty="0"/>
           </a:p>
@@ -2793,7 +2793,7 @@
           <a:p>
             <a:fld id="{B3F3E716-CACC-4490-AD07-F24B6A68DE47}" type="datetimeFigureOut">
               <a:rPr lang="es-MX" smtClean="0"/>
-              <a:t>29/08/2022</a:t>
+              <a:t>30/08/2022</a:t>
             </a:fld>
             <a:endParaRPr lang="es-MX" dirty="0"/>
           </a:p>
@@ -3070,7 +3070,7 @@
           <a:p>
             <a:fld id="{B3F3E716-CACC-4490-AD07-F24B6A68DE47}" type="datetimeFigureOut">
               <a:rPr lang="es-MX" smtClean="0"/>
-              <a:t>29/08/2022</a:t>
+              <a:t>30/08/2022</a:t>
             </a:fld>
             <a:endParaRPr lang="es-MX" dirty="0"/>
           </a:p>
@@ -3323,7 +3323,7 @@
           <a:p>
             <a:fld id="{B3F3E716-CACC-4490-AD07-F24B6A68DE47}" type="datetimeFigureOut">
               <a:rPr lang="es-MX" smtClean="0"/>
-              <a:t>29/08/2022</a:t>
+              <a:t>30/08/2022</a:t>
             </a:fld>
             <a:endParaRPr lang="es-MX" dirty="0"/>
           </a:p>
@@ -3536,7 +3536,7 @@
           <a:p>
             <a:fld id="{B3F3E716-CACC-4490-AD07-F24B6A68DE47}" type="datetimeFigureOut">
               <a:rPr lang="es-MX" smtClean="0"/>
-              <a:t>29/08/2022</a:t>
+              <a:t>30/08/2022</a:t>
             </a:fld>
             <a:endParaRPr lang="es-MX" dirty="0"/>
           </a:p>
@@ -6196,7 +6196,7 @@
         <p:spPr>
           <a:xfrm>
             <a:off x="755576" y="1154738"/>
-            <a:ext cx="7746329" cy="1028102"/>
+            <a:ext cx="7746329" cy="707501"/>
           </a:xfrm>
           <a:prstGeom prst="rect">
             <a:avLst/>
@@ -6248,7 +6248,7 @@
                 </a:solidFill>
                 <a:latin typeface="Dom Casual" charset="0"/>
               </a:rPr>
-              <a:t> (dentro de un objeto o una clase) puede tomar “varias formas”: puede </a:t>
+              <a:t> puede tomar “varias formas”: puede </a:t>
             </a:r>
             <a:r>
               <a:rPr lang="es-ES_tradnl" altLang="es-MX" sz="1600" b="1" dirty="0">
@@ -7360,7 +7360,7 @@
                   </a:schemeClr>
                 </a:solidFill>
               </a:rPr>
-              <a:t>En él script se ha definido una función llamada </a:t>
+              <a:t>En el script se ha definido una función llamada </a:t>
             </a:r>
             <a:r>
               <a:rPr lang="es-ES" sz="1400" b="1" dirty="0">
